--- a/StudentGuideModule1/newtons_laws/newtons_laws_fig4_new.pptx
+++ b/StudentGuideModule1/newtons_laws/newtons_laws_fig4_new.pptx
@@ -104,6 +104,22 @@
       </a:defRPr>
     </a:lvl9pPr>
   </p:defaultTextStyle>
+  <p:extLst>
+    <p:ext uri="{EFAFB233-063F-42B5-8137-9DF3F51BA10A}">
+      <p15:sldGuideLst xmlns:p15="http://schemas.microsoft.com/office/powerpoint/2012/main">
+        <p15:guide id="1" orient="horz" pos="2160">
+          <p15:clr>
+            <a:srgbClr val="A4A3A4"/>
+          </p15:clr>
+        </p15:guide>
+        <p15:guide id="2" pos="2880">
+          <p15:clr>
+            <a:srgbClr val="A4A3A4"/>
+          </p15:clr>
+        </p15:guide>
+      </p15:sldGuideLst>
+    </p:ext>
+  </p:extLst>
 </p:presentation>
 </file>
 
@@ -145,10 +161,9 @@
           <a:lstStyle/>
           <a:p>
             <a:r>
-              <a:rPr lang="en-US" smtClean="0"/>
+              <a:rPr lang="en-US"/>
               <a:t>Click to edit Master title style</a:t>
             </a:r>
-            <a:endParaRPr lang="en-US"/>
           </a:p>
         </p:txBody>
       </p:sp>
@@ -264,10 +279,9 @@
           </a:lstStyle>
           <a:p>
             <a:r>
-              <a:rPr lang="en-US" smtClean="0"/>
+              <a:rPr lang="en-US"/>
               <a:t>Click to edit Master subtitle style</a:t>
             </a:r>
-            <a:endParaRPr lang="en-US"/>
           </a:p>
         </p:txBody>
       </p:sp>
@@ -288,7 +302,7 @@
           <a:p>
             <a:fld id="{2B81A30E-FEA9-42C1-95AD-B75AE3EF8DCE}" type="datetimeFigureOut">
               <a:rPr lang="en-US" smtClean="0"/>
-              <a:t>5/9/2016</a:t>
+              <a:t>7/24/2019</a:t>
             </a:fld>
             <a:endParaRPr lang="en-US"/>
           </a:p>
@@ -382,10 +396,9 @@
           <a:lstStyle/>
           <a:p>
             <a:r>
-              <a:rPr lang="en-US" smtClean="0"/>
+              <a:rPr lang="en-US"/>
               <a:t>Click to edit Master title style</a:t>
             </a:r>
-            <a:endParaRPr lang="en-US"/>
           </a:p>
         </p:txBody>
       </p:sp>
@@ -406,38 +419,37 @@
           <a:p>
             <a:pPr lvl="0"/>
             <a:r>
-              <a:rPr lang="en-US" smtClean="0"/>
+              <a:rPr lang="en-US"/>
               <a:t>Click to edit Master text styles</a:t>
             </a:r>
           </a:p>
           <a:p>
             <a:pPr lvl="1"/>
             <a:r>
-              <a:rPr lang="en-US" smtClean="0"/>
+              <a:rPr lang="en-US"/>
               <a:t>Second level</a:t>
             </a:r>
           </a:p>
           <a:p>
             <a:pPr lvl="2"/>
             <a:r>
-              <a:rPr lang="en-US" smtClean="0"/>
+              <a:rPr lang="en-US"/>
               <a:t>Third level</a:t>
             </a:r>
           </a:p>
           <a:p>
             <a:pPr lvl="3"/>
             <a:r>
-              <a:rPr lang="en-US" smtClean="0"/>
+              <a:rPr lang="en-US"/>
               <a:t>Fourth level</a:t>
             </a:r>
           </a:p>
           <a:p>
             <a:pPr lvl="4"/>
             <a:r>
-              <a:rPr lang="en-US" smtClean="0"/>
+              <a:rPr lang="en-US"/>
               <a:t>Fifth level</a:t>
             </a:r>
-            <a:endParaRPr lang="en-US"/>
           </a:p>
         </p:txBody>
       </p:sp>
@@ -458,7 +470,7 @@
           <a:p>
             <a:fld id="{2B81A30E-FEA9-42C1-95AD-B75AE3EF8DCE}" type="datetimeFigureOut">
               <a:rPr lang="en-US" smtClean="0"/>
-              <a:t>5/9/2016</a:t>
+              <a:t>7/24/2019</a:t>
             </a:fld>
             <a:endParaRPr lang="en-US"/>
           </a:p>
@@ -557,10 +569,9 @@
           <a:lstStyle/>
           <a:p>
             <a:r>
-              <a:rPr lang="en-US" smtClean="0"/>
+              <a:rPr lang="en-US"/>
               <a:t>Click to edit Master title style</a:t>
             </a:r>
-            <a:endParaRPr lang="en-US"/>
           </a:p>
         </p:txBody>
       </p:sp>
@@ -586,38 +597,37 @@
           <a:p>
             <a:pPr lvl="0"/>
             <a:r>
-              <a:rPr lang="en-US" smtClean="0"/>
+              <a:rPr lang="en-US"/>
               <a:t>Click to edit Master text styles</a:t>
             </a:r>
           </a:p>
           <a:p>
             <a:pPr lvl="1"/>
             <a:r>
-              <a:rPr lang="en-US" smtClean="0"/>
+              <a:rPr lang="en-US"/>
               <a:t>Second level</a:t>
             </a:r>
           </a:p>
           <a:p>
             <a:pPr lvl="2"/>
             <a:r>
-              <a:rPr lang="en-US" smtClean="0"/>
+              <a:rPr lang="en-US"/>
               <a:t>Third level</a:t>
             </a:r>
           </a:p>
           <a:p>
             <a:pPr lvl="3"/>
             <a:r>
-              <a:rPr lang="en-US" smtClean="0"/>
+              <a:rPr lang="en-US"/>
               <a:t>Fourth level</a:t>
             </a:r>
           </a:p>
           <a:p>
             <a:pPr lvl="4"/>
             <a:r>
-              <a:rPr lang="en-US" smtClean="0"/>
+              <a:rPr lang="en-US"/>
               <a:t>Fifth level</a:t>
             </a:r>
-            <a:endParaRPr lang="en-US"/>
           </a:p>
         </p:txBody>
       </p:sp>
@@ -638,7 +648,7 @@
           <a:p>
             <a:fld id="{2B81A30E-FEA9-42C1-95AD-B75AE3EF8DCE}" type="datetimeFigureOut">
               <a:rPr lang="en-US" smtClean="0"/>
-              <a:t>5/9/2016</a:t>
+              <a:t>7/24/2019</a:t>
             </a:fld>
             <a:endParaRPr lang="en-US"/>
           </a:p>
@@ -732,10 +742,9 @@
           <a:lstStyle/>
           <a:p>
             <a:r>
-              <a:rPr lang="en-US" smtClean="0"/>
+              <a:rPr lang="en-US"/>
               <a:t>Click to edit Master title style</a:t>
             </a:r>
-            <a:endParaRPr lang="en-US"/>
           </a:p>
         </p:txBody>
       </p:sp>
@@ -756,38 +765,37 @@
           <a:p>
             <a:pPr lvl="0"/>
             <a:r>
-              <a:rPr lang="en-US" smtClean="0"/>
+              <a:rPr lang="en-US"/>
               <a:t>Click to edit Master text styles</a:t>
             </a:r>
           </a:p>
           <a:p>
             <a:pPr lvl="1"/>
             <a:r>
-              <a:rPr lang="en-US" smtClean="0"/>
+              <a:rPr lang="en-US"/>
               <a:t>Second level</a:t>
             </a:r>
           </a:p>
           <a:p>
             <a:pPr lvl="2"/>
             <a:r>
-              <a:rPr lang="en-US" smtClean="0"/>
+              <a:rPr lang="en-US"/>
               <a:t>Third level</a:t>
             </a:r>
           </a:p>
           <a:p>
             <a:pPr lvl="3"/>
             <a:r>
-              <a:rPr lang="en-US" smtClean="0"/>
+              <a:rPr lang="en-US"/>
               <a:t>Fourth level</a:t>
             </a:r>
           </a:p>
           <a:p>
             <a:pPr lvl="4"/>
             <a:r>
-              <a:rPr lang="en-US" smtClean="0"/>
+              <a:rPr lang="en-US"/>
               <a:t>Fifth level</a:t>
             </a:r>
-            <a:endParaRPr lang="en-US"/>
           </a:p>
         </p:txBody>
       </p:sp>
@@ -808,7 +816,7 @@
           <a:p>
             <a:fld id="{2B81A30E-FEA9-42C1-95AD-B75AE3EF8DCE}" type="datetimeFigureOut">
               <a:rPr lang="en-US" smtClean="0"/>
-              <a:t>5/9/2016</a:t>
+              <a:t>7/24/2019</a:t>
             </a:fld>
             <a:endParaRPr lang="en-US"/>
           </a:p>
@@ -911,10 +919,9 @@
           </a:lstStyle>
           <a:p>
             <a:r>
-              <a:rPr lang="en-US" smtClean="0"/>
+              <a:rPr lang="en-US"/>
               <a:t>Click to edit Master title style</a:t>
             </a:r>
-            <a:endParaRPr lang="en-US"/>
           </a:p>
         </p:txBody>
       </p:sp>
@@ -1031,7 +1038,7 @@
           <a:p>
             <a:pPr lvl="0"/>
             <a:r>
-              <a:rPr lang="en-US" smtClean="0"/>
+              <a:rPr lang="en-US"/>
               <a:t>Click to edit Master text styles</a:t>
             </a:r>
           </a:p>
@@ -1054,7 +1061,7 @@
           <a:p>
             <a:fld id="{2B81A30E-FEA9-42C1-95AD-B75AE3EF8DCE}" type="datetimeFigureOut">
               <a:rPr lang="en-US" smtClean="0"/>
-              <a:t>5/9/2016</a:t>
+              <a:t>7/24/2019</a:t>
             </a:fld>
             <a:endParaRPr lang="en-US"/>
           </a:p>
@@ -1148,10 +1155,9 @@
           <a:lstStyle/>
           <a:p>
             <a:r>
-              <a:rPr lang="en-US" smtClean="0"/>
+              <a:rPr lang="en-US"/>
               <a:t>Click to edit Master title style</a:t>
             </a:r>
-            <a:endParaRPr lang="en-US"/>
           </a:p>
         </p:txBody>
       </p:sp>
@@ -1205,38 +1211,37 @@
           <a:p>
             <a:pPr lvl="0"/>
             <a:r>
-              <a:rPr lang="en-US" smtClean="0"/>
+              <a:rPr lang="en-US"/>
               <a:t>Click to edit Master text styles</a:t>
             </a:r>
           </a:p>
           <a:p>
             <a:pPr lvl="1"/>
             <a:r>
-              <a:rPr lang="en-US" smtClean="0"/>
+              <a:rPr lang="en-US"/>
               <a:t>Second level</a:t>
             </a:r>
           </a:p>
           <a:p>
             <a:pPr lvl="2"/>
             <a:r>
-              <a:rPr lang="en-US" smtClean="0"/>
+              <a:rPr lang="en-US"/>
               <a:t>Third level</a:t>
             </a:r>
           </a:p>
           <a:p>
             <a:pPr lvl="3"/>
             <a:r>
-              <a:rPr lang="en-US" smtClean="0"/>
+              <a:rPr lang="en-US"/>
               <a:t>Fourth level</a:t>
             </a:r>
           </a:p>
           <a:p>
             <a:pPr lvl="4"/>
             <a:r>
-              <a:rPr lang="en-US" smtClean="0"/>
+              <a:rPr lang="en-US"/>
               <a:t>Fifth level</a:t>
             </a:r>
-            <a:endParaRPr lang="en-US"/>
           </a:p>
         </p:txBody>
       </p:sp>
@@ -1290,38 +1295,37 @@
           <a:p>
             <a:pPr lvl="0"/>
             <a:r>
-              <a:rPr lang="en-US" smtClean="0"/>
+              <a:rPr lang="en-US"/>
               <a:t>Click to edit Master text styles</a:t>
             </a:r>
           </a:p>
           <a:p>
             <a:pPr lvl="1"/>
             <a:r>
-              <a:rPr lang="en-US" smtClean="0"/>
+              <a:rPr lang="en-US"/>
               <a:t>Second level</a:t>
             </a:r>
           </a:p>
           <a:p>
             <a:pPr lvl="2"/>
             <a:r>
-              <a:rPr lang="en-US" smtClean="0"/>
+              <a:rPr lang="en-US"/>
               <a:t>Third level</a:t>
             </a:r>
           </a:p>
           <a:p>
             <a:pPr lvl="3"/>
             <a:r>
-              <a:rPr lang="en-US" smtClean="0"/>
+              <a:rPr lang="en-US"/>
               <a:t>Fourth level</a:t>
             </a:r>
           </a:p>
           <a:p>
             <a:pPr lvl="4"/>
             <a:r>
-              <a:rPr lang="en-US" smtClean="0"/>
+              <a:rPr lang="en-US"/>
               <a:t>Fifth level</a:t>
             </a:r>
-            <a:endParaRPr lang="en-US"/>
           </a:p>
         </p:txBody>
       </p:sp>
@@ -1342,7 +1346,7 @@
           <a:p>
             <a:fld id="{2B81A30E-FEA9-42C1-95AD-B75AE3EF8DCE}" type="datetimeFigureOut">
               <a:rPr lang="en-US" smtClean="0"/>
-              <a:t>5/9/2016</a:t>
+              <a:t>7/24/2019</a:t>
             </a:fld>
             <a:endParaRPr lang="en-US"/>
           </a:p>
@@ -1440,10 +1444,9 @@
           </a:lstStyle>
           <a:p>
             <a:r>
-              <a:rPr lang="en-US" smtClean="0"/>
+              <a:rPr lang="en-US"/>
               <a:t>Click to edit Master title style</a:t>
             </a:r>
-            <a:endParaRPr lang="en-US"/>
           </a:p>
         </p:txBody>
       </p:sp>
@@ -1506,7 +1509,7 @@
           <a:p>
             <a:pPr lvl="0"/>
             <a:r>
-              <a:rPr lang="en-US" smtClean="0"/>
+              <a:rPr lang="en-US"/>
               <a:t>Click to edit Master text styles</a:t>
             </a:r>
           </a:p>
@@ -1562,38 +1565,37 @@
           <a:p>
             <a:pPr lvl="0"/>
             <a:r>
-              <a:rPr lang="en-US" smtClean="0"/>
+              <a:rPr lang="en-US"/>
               <a:t>Click to edit Master text styles</a:t>
             </a:r>
           </a:p>
           <a:p>
             <a:pPr lvl="1"/>
             <a:r>
-              <a:rPr lang="en-US" smtClean="0"/>
+              <a:rPr lang="en-US"/>
               <a:t>Second level</a:t>
             </a:r>
           </a:p>
           <a:p>
             <a:pPr lvl="2"/>
             <a:r>
-              <a:rPr lang="en-US" smtClean="0"/>
+              <a:rPr lang="en-US"/>
               <a:t>Third level</a:t>
             </a:r>
           </a:p>
           <a:p>
             <a:pPr lvl="3"/>
             <a:r>
-              <a:rPr lang="en-US" smtClean="0"/>
+              <a:rPr lang="en-US"/>
               <a:t>Fourth level</a:t>
             </a:r>
           </a:p>
           <a:p>
             <a:pPr lvl="4"/>
             <a:r>
-              <a:rPr lang="en-US" smtClean="0"/>
+              <a:rPr lang="en-US"/>
               <a:t>Fifth level</a:t>
             </a:r>
-            <a:endParaRPr lang="en-US"/>
           </a:p>
         </p:txBody>
       </p:sp>
@@ -1656,7 +1658,7 @@
           <a:p>
             <a:pPr lvl="0"/>
             <a:r>
-              <a:rPr lang="en-US" smtClean="0"/>
+              <a:rPr lang="en-US"/>
               <a:t>Click to edit Master text styles</a:t>
             </a:r>
           </a:p>
@@ -1712,38 +1714,37 @@
           <a:p>
             <a:pPr lvl="0"/>
             <a:r>
-              <a:rPr lang="en-US" smtClean="0"/>
+              <a:rPr lang="en-US"/>
               <a:t>Click to edit Master text styles</a:t>
             </a:r>
           </a:p>
           <a:p>
             <a:pPr lvl="1"/>
             <a:r>
-              <a:rPr lang="en-US" smtClean="0"/>
+              <a:rPr lang="en-US"/>
               <a:t>Second level</a:t>
             </a:r>
           </a:p>
           <a:p>
             <a:pPr lvl="2"/>
             <a:r>
-              <a:rPr lang="en-US" smtClean="0"/>
+              <a:rPr lang="en-US"/>
               <a:t>Third level</a:t>
             </a:r>
           </a:p>
           <a:p>
             <a:pPr lvl="3"/>
             <a:r>
-              <a:rPr lang="en-US" smtClean="0"/>
+              <a:rPr lang="en-US"/>
               <a:t>Fourth level</a:t>
             </a:r>
           </a:p>
           <a:p>
             <a:pPr lvl="4"/>
             <a:r>
-              <a:rPr lang="en-US" smtClean="0"/>
+              <a:rPr lang="en-US"/>
               <a:t>Fifth level</a:t>
             </a:r>
-            <a:endParaRPr lang="en-US"/>
           </a:p>
         </p:txBody>
       </p:sp>
@@ -1764,7 +1765,7 @@
           <a:p>
             <a:fld id="{2B81A30E-FEA9-42C1-95AD-B75AE3EF8DCE}" type="datetimeFigureOut">
               <a:rPr lang="en-US" smtClean="0"/>
-              <a:t>5/9/2016</a:t>
+              <a:t>7/24/2019</a:t>
             </a:fld>
             <a:endParaRPr lang="en-US"/>
           </a:p>
@@ -1858,10 +1859,9 @@
           <a:lstStyle/>
           <a:p>
             <a:r>
-              <a:rPr lang="en-US" smtClean="0"/>
+              <a:rPr lang="en-US"/>
               <a:t>Click to edit Master title style</a:t>
             </a:r>
-            <a:endParaRPr lang="en-US"/>
           </a:p>
         </p:txBody>
       </p:sp>
@@ -1882,7 +1882,7 @@
           <a:p>
             <a:fld id="{2B81A30E-FEA9-42C1-95AD-B75AE3EF8DCE}" type="datetimeFigureOut">
               <a:rPr lang="en-US" smtClean="0"/>
-              <a:t>5/9/2016</a:t>
+              <a:t>7/24/2019</a:t>
             </a:fld>
             <a:endParaRPr lang="en-US"/>
           </a:p>
@@ -1977,7 +1977,7 @@
           <a:p>
             <a:fld id="{2B81A30E-FEA9-42C1-95AD-B75AE3EF8DCE}" type="datetimeFigureOut">
               <a:rPr lang="en-US" smtClean="0"/>
-              <a:t>5/9/2016</a:t>
+              <a:t>7/24/2019</a:t>
             </a:fld>
             <a:endParaRPr lang="en-US"/>
           </a:p>
@@ -2080,10 +2080,9 @@
           </a:lstStyle>
           <a:p>
             <a:r>
-              <a:rPr lang="en-US" smtClean="0"/>
+              <a:rPr lang="en-US"/>
               <a:t>Click to edit Master title style</a:t>
             </a:r>
-            <a:endParaRPr lang="en-US"/>
           </a:p>
         </p:txBody>
       </p:sp>
@@ -2137,38 +2136,37 @@
           <a:p>
             <a:pPr lvl="0"/>
             <a:r>
-              <a:rPr lang="en-US" smtClean="0"/>
+              <a:rPr lang="en-US"/>
               <a:t>Click to edit Master text styles</a:t>
             </a:r>
           </a:p>
           <a:p>
             <a:pPr lvl="1"/>
             <a:r>
-              <a:rPr lang="en-US" smtClean="0"/>
+              <a:rPr lang="en-US"/>
               <a:t>Second level</a:t>
             </a:r>
           </a:p>
           <a:p>
             <a:pPr lvl="2"/>
             <a:r>
-              <a:rPr lang="en-US" smtClean="0"/>
+              <a:rPr lang="en-US"/>
               <a:t>Third level</a:t>
             </a:r>
           </a:p>
           <a:p>
             <a:pPr lvl="3"/>
             <a:r>
-              <a:rPr lang="en-US" smtClean="0"/>
+              <a:rPr lang="en-US"/>
               <a:t>Fourth level</a:t>
             </a:r>
           </a:p>
           <a:p>
             <a:pPr lvl="4"/>
             <a:r>
-              <a:rPr lang="en-US" smtClean="0"/>
+              <a:rPr lang="en-US"/>
               <a:t>Fifth level</a:t>
             </a:r>
-            <a:endParaRPr lang="en-US"/>
           </a:p>
         </p:txBody>
       </p:sp>
@@ -2231,7 +2229,7 @@
           <a:p>
             <a:pPr lvl="0"/>
             <a:r>
-              <a:rPr lang="en-US" smtClean="0"/>
+              <a:rPr lang="en-US"/>
               <a:t>Click to edit Master text styles</a:t>
             </a:r>
           </a:p>
@@ -2254,7 +2252,7 @@
           <a:p>
             <a:fld id="{2B81A30E-FEA9-42C1-95AD-B75AE3EF8DCE}" type="datetimeFigureOut">
               <a:rPr lang="en-US" smtClean="0"/>
-              <a:t>5/9/2016</a:t>
+              <a:t>7/24/2019</a:t>
             </a:fld>
             <a:endParaRPr lang="en-US"/>
           </a:p>
@@ -2357,10 +2355,9 @@
           </a:lstStyle>
           <a:p>
             <a:r>
-              <a:rPr lang="en-US" smtClean="0"/>
+              <a:rPr lang="en-US"/>
               <a:t>Click to edit Master title style</a:t>
             </a:r>
-            <a:endParaRPr lang="en-US"/>
           </a:p>
         </p:txBody>
       </p:sp>
@@ -2484,7 +2481,7 @@
           <a:p>
             <a:pPr lvl="0"/>
             <a:r>
-              <a:rPr lang="en-US" smtClean="0"/>
+              <a:rPr lang="en-US"/>
               <a:t>Click to edit Master text styles</a:t>
             </a:r>
           </a:p>
@@ -2507,7 +2504,7 @@
           <a:p>
             <a:fld id="{2B81A30E-FEA9-42C1-95AD-B75AE3EF8DCE}" type="datetimeFigureOut">
               <a:rPr lang="en-US" smtClean="0"/>
-              <a:t>5/9/2016</a:t>
+              <a:t>7/24/2019</a:t>
             </a:fld>
             <a:endParaRPr lang="en-US"/>
           </a:p>
@@ -2616,10 +2613,9 @@
           <a:lstStyle/>
           <a:p>
             <a:r>
-              <a:rPr lang="en-US" smtClean="0"/>
+              <a:rPr lang="en-US"/>
               <a:t>Click to edit Master title style</a:t>
             </a:r>
-            <a:endParaRPr lang="en-US"/>
           </a:p>
         </p:txBody>
       </p:sp>
@@ -2650,38 +2646,37 @@
           <a:p>
             <a:pPr lvl="0"/>
             <a:r>
-              <a:rPr lang="en-US" smtClean="0"/>
+              <a:rPr lang="en-US"/>
               <a:t>Click to edit Master text styles</a:t>
             </a:r>
           </a:p>
           <a:p>
             <a:pPr lvl="1"/>
             <a:r>
-              <a:rPr lang="en-US" smtClean="0"/>
+              <a:rPr lang="en-US"/>
               <a:t>Second level</a:t>
             </a:r>
           </a:p>
           <a:p>
             <a:pPr lvl="2"/>
             <a:r>
-              <a:rPr lang="en-US" smtClean="0"/>
+              <a:rPr lang="en-US"/>
               <a:t>Third level</a:t>
             </a:r>
           </a:p>
           <a:p>
             <a:pPr lvl="3"/>
             <a:r>
-              <a:rPr lang="en-US" smtClean="0"/>
+              <a:rPr lang="en-US"/>
               <a:t>Fourth level</a:t>
             </a:r>
           </a:p>
           <a:p>
             <a:pPr lvl="4"/>
             <a:r>
-              <a:rPr lang="en-US" smtClean="0"/>
+              <a:rPr lang="en-US"/>
               <a:t>Fifth level</a:t>
             </a:r>
-            <a:endParaRPr lang="en-US"/>
           </a:p>
         </p:txBody>
       </p:sp>
@@ -2720,7 +2715,7 @@
           <a:p>
             <a:fld id="{2B81A30E-FEA9-42C1-95AD-B75AE3EF8DCE}" type="datetimeFigureOut">
               <a:rPr lang="en-US" smtClean="0"/>
-              <a:t>5/9/2016</a:t>
+              <a:t>7/24/2019</a:t>
             </a:fld>
             <a:endParaRPr lang="en-US"/>
           </a:p>
@@ -3144,7 +3139,7 @@
         </p:nvSpPr>
         <p:spPr>
           <a:xfrm>
-            <a:off x="2697480" y="3344942"/>
+            <a:off x="2697480" y="3385582"/>
             <a:ext cx="609599" cy="527923"/>
           </a:xfrm>
           <a:prstGeom prst="rect">
@@ -3165,7 +3160,7 @@
           <a:p>
             <a:pPr algn="ctr"/>
             <a:r>
-              <a:rPr lang="en-US" sz="5400" b="1" cap="none" spc="0" dirty="0" smtClean="0">
+              <a:rPr lang="en-US" sz="5400" b="1" cap="none" spc="0" dirty="0">
                 <a:ln w="17780" cmpd="sng">
                   <a:noFill/>
                   <a:prstDash val="solid"/>
@@ -3181,7 +3176,7 @@
           <a:p>
             <a:pPr algn="ctr"/>
             <a:r>
-              <a:rPr lang="en-US" sz="4800" b="1" dirty="0" smtClean="0">
+              <a:rPr lang="en-US" sz="4800" b="1" dirty="0">
                 <a:ln w="17780" cmpd="sng">
                   <a:noFill/>
                   <a:prstDash val="solid"/>
@@ -3197,7 +3192,7 @@
           <a:p>
             <a:pPr algn="ctr"/>
             <a:r>
-              <a:rPr lang="en-US" sz="4400" b="1" cap="none" spc="0" dirty="0" smtClean="0">
+              <a:rPr lang="en-US" sz="4400" b="1" cap="none" spc="0" dirty="0">
                 <a:ln w="17780" cmpd="sng">
                   <a:noFill/>
                   <a:prstDash val="solid"/>
@@ -3209,21 +3204,11 @@
               </a:rPr>
               <a:t>Corp</a:t>
             </a:r>
-            <a:endParaRPr lang="en-US" sz="4400" b="1" cap="none" spc="0" dirty="0">
-              <a:ln w="17780" cmpd="sng">
-                <a:noFill/>
-                <a:prstDash val="solid"/>
-                <a:miter lim="800000"/>
-              </a:ln>
-              <a:latin typeface="Comic Sans MS" panose="030F0702030302020204" pitchFamily="66" charset="0"/>
-              <a:ea typeface="Tahoma" panose="020B0604030504040204" pitchFamily="34" charset="0"/>
-              <a:cs typeface="Tahoma" panose="020B0604030504040204" pitchFamily="34" charset="0"/>
-            </a:endParaRPr>
-          </a:p>
-        </p:txBody>
-      </p:sp>
-      <mc:AlternateContent xmlns:mc="http://schemas.openxmlformats.org/markup-compatibility/2006" xmlns:a14="http://schemas.microsoft.com/office/drawing/2010/main">
-        <mc:Choice Requires="a14">
+          </a:p>
+        </p:txBody>
+      </p:sp>
+      <mc:AlternateContent xmlns:mc="http://schemas.openxmlformats.org/markup-compatibility/2006">
+        <mc:Choice xmlns:a14="http://schemas.microsoft.com/office/drawing/2010/main" Requires="a14">
           <p:sp>
             <p:nvSpPr>
               <p:cNvPr id="5" name="TextBox 4"/>
@@ -3232,8 +3217,8 @@
             </p:nvSpPr>
             <p:spPr>
               <a:xfrm>
-                <a:off x="3657600" y="3224331"/>
-                <a:ext cx="377314" cy="369332"/>
+                <a:off x="3622488" y="3152466"/>
+                <a:ext cx="609598" cy="338554"/>
               </a:xfrm>
               <a:prstGeom prst="rect">
                 <a:avLst/>
@@ -3256,21 +3241,40 @@
                       <m:jc m:val="centerGroup"/>
                     </m:oMathParaPr>
                     <m:oMath xmlns:m="http://schemas.openxmlformats.org/officeDocument/2006/math">
-                      <m:r>
-                        <a:rPr lang="en-US" b="1" i="1" smtClean="0">
-                          <a:latin typeface="Cambria Math"/>
-                        </a:rPr>
-                        <m:t>𝑴</m:t>
-                      </m:r>
+                      <m:sSub>
+                        <m:sSubPr>
+                          <m:ctrlPr>
+                            <a:rPr lang="en-US" sz="1600" b="1" i="1" smtClean="0">
+                              <a:latin typeface="Cambria Math" panose="02040503050406030204" pitchFamily="18" charset="0"/>
+                            </a:rPr>
+                          </m:ctrlPr>
+                        </m:sSubPr>
+                        <m:e>
+                          <m:r>
+                            <a:rPr lang="en-US" sz="1600" b="1" i="1" smtClean="0">
+                              <a:latin typeface="Cambria Math" panose="02040503050406030204" pitchFamily="18" charset="0"/>
+                            </a:rPr>
+                            <m:t>𝒎</m:t>
+                          </m:r>
+                        </m:e>
+                        <m:sub>
+                          <m:r>
+                            <a:rPr lang="en-US" sz="1600" b="1" i="1" smtClean="0">
+                              <a:latin typeface="Cambria Math" panose="02040503050406030204" pitchFamily="18" charset="0"/>
+                            </a:rPr>
+                            <m:t>𝟏</m:t>
+                          </m:r>
+                        </m:sub>
+                      </m:sSub>
                     </m:oMath>
                   </m:oMathPara>
                 </a14:m>
-                <a:endParaRPr lang="en-US" b="1" dirty="0"/>
+                <a:endParaRPr lang="en-US" sz="1600" b="1" dirty="0"/>
               </a:p>
             </p:txBody>
           </p:sp>
         </mc:Choice>
-        <mc:Fallback xmlns="">
+        <mc:Fallback>
           <p:sp>
             <p:nvSpPr>
               <p:cNvPr id="5" name="TextBox 4"/>
@@ -3281,104 +3285,14 @@
             </p:nvSpPr>
             <p:spPr>
               <a:xfrm>
-                <a:off x="3657600" y="3224331"/>
-                <a:ext cx="377314" cy="369332"/>
+                <a:off x="3622488" y="3152466"/>
+                <a:ext cx="609598" cy="338554"/>
               </a:xfrm>
               <a:prstGeom prst="rect">
                 <a:avLst/>
               </a:prstGeom>
-              <a:blipFill rotWithShape="1">
+              <a:blipFill>
                 <a:blip r:embed="rId3"/>
-                <a:stretch>
-                  <a:fillRect r="-1613"/>
-                </a:stretch>
-              </a:blipFill>
-              <a:ln w="12700">
-                <a:noFill/>
-              </a:ln>
-            </p:spPr>
-            <p:txBody>
-              <a:bodyPr/>
-              <a:lstStyle/>
-              <a:p>
-                <a:r>
-                  <a:rPr lang="en-US">
-                    <a:noFill/>
-                  </a:rPr>
-                  <a:t> </a:t>
-                </a:r>
-              </a:p>
-            </p:txBody>
-          </p:sp>
-        </mc:Fallback>
-      </mc:AlternateContent>
-      <mc:AlternateContent xmlns:mc="http://schemas.openxmlformats.org/markup-compatibility/2006" xmlns:a14="http://schemas.microsoft.com/office/drawing/2010/main">
-        <mc:Choice Requires="a14">
-          <p:sp>
-            <p:nvSpPr>
-              <p:cNvPr id="7" name="TextBox 6"/>
-              <p:cNvSpPr txBox="1"/>
-              <p:nvPr/>
-            </p:nvSpPr>
-            <p:spPr>
-              <a:xfrm>
-                <a:off x="5423535" y="3212901"/>
-                <a:ext cx="377314" cy="369332"/>
-              </a:xfrm>
-              <a:prstGeom prst="rect">
-                <a:avLst/>
-              </a:prstGeom>
-              <a:noFill/>
-              <a:ln w="12700">
-                <a:noFill/>
-              </a:ln>
-            </p:spPr>
-            <p:txBody>
-              <a:bodyPr wrap="square" rtlCol="0">
-                <a:spAutoFit/>
-              </a:bodyPr>
-              <a:lstStyle/>
-              <a:p>
-                <a:pPr/>
-                <a14:m>
-                  <m:oMathPara xmlns:m="http://schemas.openxmlformats.org/officeDocument/2006/math">
-                    <m:oMathParaPr>
-                      <m:jc m:val="centerGroup"/>
-                    </m:oMathParaPr>
-                    <m:oMath xmlns:m="http://schemas.openxmlformats.org/officeDocument/2006/math">
-                      <m:r>
-                        <a:rPr lang="en-US" b="1" i="1" smtClean="0">
-                          <a:latin typeface="Cambria Math"/>
-                        </a:rPr>
-                        <m:t>𝒎</m:t>
-                      </m:r>
-                    </m:oMath>
-                  </m:oMathPara>
-                </a14:m>
-                <a:endParaRPr lang="en-US" b="1" dirty="0"/>
-              </a:p>
-            </p:txBody>
-          </p:sp>
-        </mc:Choice>
-        <mc:Fallback xmlns="">
-          <p:sp>
-            <p:nvSpPr>
-              <p:cNvPr id="7" name="TextBox 6"/>
-              <p:cNvSpPr txBox="1">
-                <a:spLocks noRot="1" noChangeAspect="1" noMove="1" noResize="1" noEditPoints="1" noAdjustHandles="1" noChangeArrowheads="1" noChangeShapeType="1" noTextEdit="1"/>
-              </p:cNvSpPr>
-              <p:nvPr/>
-            </p:nvSpPr>
-            <p:spPr>
-              <a:xfrm>
-                <a:off x="5423535" y="3212901"/>
-                <a:ext cx="377314" cy="369332"/>
-              </a:xfrm>
-              <a:prstGeom prst="rect">
-                <a:avLst/>
-              </a:prstGeom>
-              <a:blipFill rotWithShape="1">
-                <a:blip r:embed="rId4"/>
                 <a:stretch>
                   <a:fillRect/>
                 </a:stretch>
@@ -3438,8 +3352,8 @@
           </a:fontRef>
         </p:style>
       </p:cxnSp>
-      <mc:AlternateContent xmlns:mc="http://schemas.openxmlformats.org/markup-compatibility/2006" xmlns:a14="http://schemas.microsoft.com/office/drawing/2010/main">
-        <mc:Choice Requires="a14">
+      <mc:AlternateContent xmlns:mc="http://schemas.openxmlformats.org/markup-compatibility/2006">
+        <mc:Choice xmlns:a14="http://schemas.microsoft.com/office/drawing/2010/main" Requires="a14">
           <p:sp>
             <p:nvSpPr>
               <p:cNvPr id="11" name="TextBox 10"/>
@@ -3448,7 +3362,7 @@
             </p:nvSpPr>
             <p:spPr>
               <a:xfrm>
-                <a:off x="4370070" y="2576194"/>
+                <a:off x="4322693" y="2621914"/>
                 <a:ext cx="415166" cy="369332"/>
               </a:xfrm>
               <a:prstGeom prst="rect">
@@ -3477,7 +3391,7 @@
                           <m:chr m:val="⃗"/>
                           <m:ctrlPr>
                             <a:rPr lang="en-US" b="0" i="1" smtClean="0">
-                              <a:latin typeface="Cambria Math"/>
+                              <a:latin typeface="Cambria Math" panose="02040503050406030204" pitchFamily="18" charset="0"/>
                             </a:rPr>
                           </m:ctrlPr>
                         </m:accPr>
@@ -3498,7 +3412,7 @@
             </p:txBody>
           </p:sp>
         </mc:Choice>
-        <mc:Fallback xmlns="">
+        <mc:Fallback>
           <p:sp>
             <p:nvSpPr>
               <p:cNvPr id="11" name="TextBox 10"/>
@@ -3509,16 +3423,16 @@
             </p:nvSpPr>
             <p:spPr>
               <a:xfrm>
-                <a:off x="4370070" y="2576194"/>
+                <a:off x="4322693" y="2621914"/>
                 <a:ext cx="415166" cy="369332"/>
               </a:xfrm>
               <a:prstGeom prst="rect">
                 <a:avLst/>
               </a:prstGeom>
-              <a:blipFill rotWithShape="1">
-                <a:blip r:embed="rId5"/>
+              <a:blipFill>
+                <a:blip r:embed="rId4"/>
                 <a:stretch>
-                  <a:fillRect t="-23333" r="-29412"/>
+                  <a:fillRect t="-22951" r="-30882"/>
                 </a:stretch>
               </a:blipFill>
               <a:ln w="12700">
@@ -3585,7 +3499,7 @@
                           <m:chr m:val="⃗"/>
                           <m:ctrlPr>
                             <a:rPr lang="en-US" b="0" i="1" smtClean="0">
-                              <a:latin typeface="Cambria Math"/>
+                              <a:latin typeface="Cambria Math" panose="02040503050406030204" pitchFamily="18" charset="0"/>
                             </a:rPr>
                           </m:ctrlPr>
                         </m:accPr>
@@ -3692,8 +3606,8 @@
         </p:nvSpPr>
         <p:spPr>
           <a:xfrm>
-            <a:off x="3002279" y="2388388"/>
-            <a:ext cx="1032635" cy="307777"/>
+            <a:off x="2635659" y="2395070"/>
+            <a:ext cx="1032635" cy="338554"/>
           </a:xfrm>
           <a:prstGeom prst="rect">
             <a:avLst/>
@@ -3710,10 +3624,9 @@
           <a:lstStyle/>
           <a:p>
             <a:r>
-              <a:rPr lang="en-US" sz="1400" dirty="0" smtClean="0"/>
+              <a:rPr lang="en-US" sz="1600" dirty="0"/>
               <a:t>object 1</a:t>
             </a:r>
-            <a:endParaRPr lang="en-US" sz="1400" dirty="0"/>
           </a:p>
         </p:txBody>
       </p:sp>
@@ -3725,8 +3638,8 @@
         </p:nvSpPr>
         <p:spPr>
           <a:xfrm>
-            <a:off x="5316855" y="2386568"/>
-            <a:ext cx="1032635" cy="307777"/>
+            <a:off x="5629118" y="2775804"/>
+            <a:ext cx="1032635" cy="338554"/>
           </a:xfrm>
           <a:prstGeom prst="rect">
             <a:avLst/>
@@ -3743,13 +3656,133 @@
           <a:lstStyle/>
           <a:p>
             <a:r>
-              <a:rPr lang="en-US" sz="1400" dirty="0" smtClean="0"/>
+              <a:rPr lang="en-US" sz="1600" dirty="0"/>
               <a:t>object 2</a:t>
             </a:r>
-            <a:endParaRPr lang="en-US" sz="1400" dirty="0"/>
-          </a:p>
-        </p:txBody>
-      </p:sp>
+          </a:p>
+        </p:txBody>
+      </p:sp>
+      <mc:AlternateContent xmlns:mc="http://schemas.openxmlformats.org/markup-compatibility/2006">
+        <mc:Choice xmlns:a14="http://schemas.microsoft.com/office/drawing/2010/main" Requires="a14">
+          <p:sp>
+            <p:nvSpPr>
+              <p:cNvPr id="16" name="TextBox 15">
+                <a:extLst>
+                  <a:ext uri="{FF2B5EF4-FFF2-40B4-BE49-F238E27FC236}">
+                    <a16:creationId xmlns:a16="http://schemas.microsoft.com/office/drawing/2014/main" id="{1FF5F735-B90C-42B8-99AD-E29E6E227DBA}"/>
+                  </a:ext>
+                </a:extLst>
+              </p:cNvPr>
+              <p:cNvSpPr txBox="1"/>
+              <p:nvPr/>
+            </p:nvSpPr>
+            <p:spPr>
+              <a:xfrm>
+                <a:off x="5296535" y="3203257"/>
+                <a:ext cx="609598" cy="338554"/>
+              </a:xfrm>
+              <a:prstGeom prst="rect">
+                <a:avLst/>
+              </a:prstGeom>
+              <a:noFill/>
+              <a:ln w="12700">
+                <a:noFill/>
+              </a:ln>
+            </p:spPr>
+            <p:txBody>
+              <a:bodyPr wrap="square" rtlCol="0">
+                <a:spAutoFit/>
+              </a:bodyPr>
+              <a:lstStyle/>
+              <a:p>
+                <a:pPr/>
+                <a14:m>
+                  <m:oMathPara xmlns:m="http://schemas.openxmlformats.org/officeDocument/2006/math">
+                    <m:oMathParaPr>
+                      <m:jc m:val="centerGroup"/>
+                    </m:oMathParaPr>
+                    <m:oMath xmlns:m="http://schemas.openxmlformats.org/officeDocument/2006/math">
+                      <m:sSub>
+                        <m:sSubPr>
+                          <m:ctrlPr>
+                            <a:rPr lang="en-US" sz="1600" b="1" i="1" smtClean="0">
+                              <a:latin typeface="Cambria Math" panose="02040503050406030204" pitchFamily="18" charset="0"/>
+                            </a:rPr>
+                          </m:ctrlPr>
+                        </m:sSubPr>
+                        <m:e>
+                          <m:r>
+                            <a:rPr lang="en-US" sz="1600" b="1" i="1" smtClean="0">
+                              <a:latin typeface="Cambria Math" panose="02040503050406030204" pitchFamily="18" charset="0"/>
+                            </a:rPr>
+                            <m:t>𝒎</m:t>
+                          </m:r>
+                        </m:e>
+                        <m:sub>
+                          <m:r>
+                            <a:rPr lang="en-US" sz="1600" b="1" i="1" smtClean="0">
+                              <a:latin typeface="Cambria Math" panose="02040503050406030204" pitchFamily="18" charset="0"/>
+                            </a:rPr>
+                            <m:t>𝟐</m:t>
+                          </m:r>
+                        </m:sub>
+                      </m:sSub>
+                    </m:oMath>
+                  </m:oMathPara>
+                </a14:m>
+                <a:endParaRPr lang="en-US" sz="1600" b="1" dirty="0"/>
+              </a:p>
+            </p:txBody>
+          </p:sp>
+        </mc:Choice>
+        <mc:Fallback>
+          <p:sp>
+            <p:nvSpPr>
+              <p:cNvPr id="16" name="TextBox 15">
+                <a:extLst>
+                  <a:ext uri="{FF2B5EF4-FFF2-40B4-BE49-F238E27FC236}">
+                    <a16:creationId xmlns:a16="http://schemas.microsoft.com/office/drawing/2014/main" id="{1FF5F735-B90C-42B8-99AD-E29E6E227DBA}"/>
+                  </a:ext>
+                </a:extLst>
+              </p:cNvPr>
+              <p:cNvSpPr txBox="1">
+                <a:spLocks noRot="1" noChangeAspect="1" noMove="1" noResize="1" noEditPoints="1" noAdjustHandles="1" noChangeArrowheads="1" noChangeShapeType="1" noTextEdit="1"/>
+              </p:cNvSpPr>
+              <p:nvPr/>
+            </p:nvSpPr>
+            <p:spPr>
+              <a:xfrm>
+                <a:off x="5296535" y="3203257"/>
+                <a:ext cx="609598" cy="338554"/>
+              </a:xfrm>
+              <a:prstGeom prst="rect">
+                <a:avLst/>
+              </a:prstGeom>
+              <a:blipFill>
+                <a:blip r:embed="rId7"/>
+                <a:stretch>
+                  <a:fillRect/>
+                </a:stretch>
+              </a:blipFill>
+              <a:ln w="12700">
+                <a:noFill/>
+              </a:ln>
+            </p:spPr>
+            <p:txBody>
+              <a:bodyPr/>
+              <a:lstStyle/>
+              <a:p>
+                <a:r>
+                  <a:rPr lang="en-US">
+                    <a:noFill/>
+                  </a:rPr>
+                  <a:t> </a:t>
+                </a:r>
+              </a:p>
+            </p:txBody>
+          </p:sp>
+        </mc:Fallback>
+      </mc:AlternateContent>
     </p:spTree>
     <p:extLst>
       <p:ext uri="{BB962C8B-B14F-4D97-AF65-F5344CB8AC3E}">

--- a/StudentGuideModule1/newtons_laws/newtons_laws_fig4_new.pptx
+++ b/StudentGuideModule1/newtons_laws/newtons_laws_fig4_new.pptx
@@ -302,7 +302,7 @@
           <a:p>
             <a:fld id="{2B81A30E-FEA9-42C1-95AD-B75AE3EF8DCE}" type="datetimeFigureOut">
               <a:rPr lang="en-US" smtClean="0"/>
-              <a:t>7/24/2019</a:t>
+              <a:t>8/1/2019</a:t>
             </a:fld>
             <a:endParaRPr lang="en-US"/>
           </a:p>
@@ -470,7 +470,7 @@
           <a:p>
             <a:fld id="{2B81A30E-FEA9-42C1-95AD-B75AE3EF8DCE}" type="datetimeFigureOut">
               <a:rPr lang="en-US" smtClean="0"/>
-              <a:t>7/24/2019</a:t>
+              <a:t>8/1/2019</a:t>
             </a:fld>
             <a:endParaRPr lang="en-US"/>
           </a:p>
@@ -648,7 +648,7 @@
           <a:p>
             <a:fld id="{2B81A30E-FEA9-42C1-95AD-B75AE3EF8DCE}" type="datetimeFigureOut">
               <a:rPr lang="en-US" smtClean="0"/>
-              <a:t>7/24/2019</a:t>
+              <a:t>8/1/2019</a:t>
             </a:fld>
             <a:endParaRPr lang="en-US"/>
           </a:p>
@@ -816,7 +816,7 @@
           <a:p>
             <a:fld id="{2B81A30E-FEA9-42C1-95AD-B75AE3EF8DCE}" type="datetimeFigureOut">
               <a:rPr lang="en-US" smtClean="0"/>
-              <a:t>7/24/2019</a:t>
+              <a:t>8/1/2019</a:t>
             </a:fld>
             <a:endParaRPr lang="en-US"/>
           </a:p>
@@ -1061,7 +1061,7 @@
           <a:p>
             <a:fld id="{2B81A30E-FEA9-42C1-95AD-B75AE3EF8DCE}" type="datetimeFigureOut">
               <a:rPr lang="en-US" smtClean="0"/>
-              <a:t>7/24/2019</a:t>
+              <a:t>8/1/2019</a:t>
             </a:fld>
             <a:endParaRPr lang="en-US"/>
           </a:p>
@@ -1346,7 +1346,7 @@
           <a:p>
             <a:fld id="{2B81A30E-FEA9-42C1-95AD-B75AE3EF8DCE}" type="datetimeFigureOut">
               <a:rPr lang="en-US" smtClean="0"/>
-              <a:t>7/24/2019</a:t>
+              <a:t>8/1/2019</a:t>
             </a:fld>
             <a:endParaRPr lang="en-US"/>
           </a:p>
@@ -1765,7 +1765,7 @@
           <a:p>
             <a:fld id="{2B81A30E-FEA9-42C1-95AD-B75AE3EF8DCE}" type="datetimeFigureOut">
               <a:rPr lang="en-US" smtClean="0"/>
-              <a:t>7/24/2019</a:t>
+              <a:t>8/1/2019</a:t>
             </a:fld>
             <a:endParaRPr lang="en-US"/>
           </a:p>
@@ -1882,7 +1882,7 @@
           <a:p>
             <a:fld id="{2B81A30E-FEA9-42C1-95AD-B75AE3EF8DCE}" type="datetimeFigureOut">
               <a:rPr lang="en-US" smtClean="0"/>
-              <a:t>7/24/2019</a:t>
+              <a:t>8/1/2019</a:t>
             </a:fld>
             <a:endParaRPr lang="en-US"/>
           </a:p>
@@ -1977,7 +1977,7 @@
           <a:p>
             <a:fld id="{2B81A30E-FEA9-42C1-95AD-B75AE3EF8DCE}" type="datetimeFigureOut">
               <a:rPr lang="en-US" smtClean="0"/>
-              <a:t>7/24/2019</a:t>
+              <a:t>8/1/2019</a:t>
             </a:fld>
             <a:endParaRPr lang="en-US"/>
           </a:p>
@@ -2252,7 +2252,7 @@
           <a:p>
             <a:fld id="{2B81A30E-FEA9-42C1-95AD-B75AE3EF8DCE}" type="datetimeFigureOut">
               <a:rPr lang="en-US" smtClean="0"/>
-              <a:t>7/24/2019</a:t>
+              <a:t>8/1/2019</a:t>
             </a:fld>
             <a:endParaRPr lang="en-US"/>
           </a:p>
@@ -2504,7 +2504,7 @@
           <a:p>
             <a:fld id="{2B81A30E-FEA9-42C1-95AD-B75AE3EF8DCE}" type="datetimeFigureOut">
               <a:rPr lang="en-US" smtClean="0"/>
-              <a:t>7/24/2019</a:t>
+              <a:t>8/1/2019</a:t>
             </a:fld>
             <a:endParaRPr lang="en-US"/>
           </a:p>
@@ -2715,7 +2715,7 @@
           <a:p>
             <a:fld id="{2B81A30E-FEA9-42C1-95AD-B75AE3EF8DCE}" type="datetimeFigureOut">
               <a:rPr lang="en-US" smtClean="0"/>
-              <a:t>7/24/2019</a:t>
+              <a:t>8/1/2019</a:t>
             </a:fld>
             <a:endParaRPr lang="en-US"/>
           </a:p>
@@ -3207,8 +3207,8 @@
           </a:p>
         </p:txBody>
       </p:sp>
-      <mc:AlternateContent xmlns:mc="http://schemas.openxmlformats.org/markup-compatibility/2006">
-        <mc:Choice xmlns:a14="http://schemas.microsoft.com/office/drawing/2010/main" Requires="a14">
+      <mc:AlternateContent xmlns:mc="http://schemas.openxmlformats.org/markup-compatibility/2006" xmlns:a14="http://schemas.microsoft.com/office/drawing/2010/main">
+        <mc:Choice Requires="a14">
           <p:sp>
             <p:nvSpPr>
               <p:cNvPr id="5" name="TextBox 4"/>
@@ -3274,7 +3274,7 @@
             </p:txBody>
           </p:sp>
         </mc:Choice>
-        <mc:Fallback>
+        <mc:Fallback xmlns="">
           <p:sp>
             <p:nvSpPr>
               <p:cNvPr id="5" name="TextBox 4"/>
@@ -3352,8 +3352,8 @@
           </a:fontRef>
         </p:style>
       </p:cxnSp>
-      <mc:AlternateContent xmlns:mc="http://schemas.openxmlformats.org/markup-compatibility/2006">
-        <mc:Choice xmlns:a14="http://schemas.microsoft.com/office/drawing/2010/main" Requires="a14">
+      <mc:AlternateContent xmlns:mc="http://schemas.openxmlformats.org/markup-compatibility/2006" xmlns:a14="http://schemas.microsoft.com/office/drawing/2010/main">
+        <mc:Choice Requires="a14">
           <p:sp>
             <p:nvSpPr>
               <p:cNvPr id="11" name="TextBox 10"/>
@@ -3412,7 +3412,7 @@
             </p:txBody>
           </p:sp>
         </mc:Choice>
-        <mc:Fallback>
+        <mc:Fallback xmlns="">
           <p:sp>
             <p:nvSpPr>
               <p:cNvPr id="11" name="TextBox 10"/>
@@ -3678,7 +3678,7 @@
             </p:nvSpPr>
             <p:spPr>
               <a:xfrm>
-                <a:off x="5296535" y="3203257"/>
+                <a:off x="5296535" y="3212222"/>
                 <a:ext cx="609598" cy="338554"/>
               </a:xfrm>
               <a:prstGeom prst="rect">
@@ -3752,7 +3752,7 @@
             </p:nvSpPr>
             <p:spPr>
               <a:xfrm>
-                <a:off x="5296535" y="3203257"/>
+                <a:off x="5296535" y="3212222"/>
                 <a:ext cx="609598" cy="338554"/>
               </a:xfrm>
               <a:prstGeom prst="rect">

--- a/StudentGuideModule1/newtons_laws/newtons_laws_fig4_new.pptx
+++ b/StudentGuideModule1/newtons_laws/newtons_laws_fig4_new.pptx
@@ -302,7 +302,7 @@
           <a:p>
             <a:fld id="{2B81A30E-FEA9-42C1-95AD-B75AE3EF8DCE}" type="datetimeFigureOut">
               <a:rPr lang="en-US" smtClean="0"/>
-              <a:t>8/1/2019</a:t>
+              <a:t>10/5/2019</a:t>
             </a:fld>
             <a:endParaRPr lang="en-US"/>
           </a:p>
@@ -470,7 +470,7 @@
           <a:p>
             <a:fld id="{2B81A30E-FEA9-42C1-95AD-B75AE3EF8DCE}" type="datetimeFigureOut">
               <a:rPr lang="en-US" smtClean="0"/>
-              <a:t>8/1/2019</a:t>
+              <a:t>10/5/2019</a:t>
             </a:fld>
             <a:endParaRPr lang="en-US"/>
           </a:p>
@@ -648,7 +648,7 @@
           <a:p>
             <a:fld id="{2B81A30E-FEA9-42C1-95AD-B75AE3EF8DCE}" type="datetimeFigureOut">
               <a:rPr lang="en-US" smtClean="0"/>
-              <a:t>8/1/2019</a:t>
+              <a:t>10/5/2019</a:t>
             </a:fld>
             <a:endParaRPr lang="en-US"/>
           </a:p>
@@ -816,7 +816,7 @@
           <a:p>
             <a:fld id="{2B81A30E-FEA9-42C1-95AD-B75AE3EF8DCE}" type="datetimeFigureOut">
               <a:rPr lang="en-US" smtClean="0"/>
-              <a:t>8/1/2019</a:t>
+              <a:t>10/5/2019</a:t>
             </a:fld>
             <a:endParaRPr lang="en-US"/>
           </a:p>
@@ -1061,7 +1061,7 @@
           <a:p>
             <a:fld id="{2B81A30E-FEA9-42C1-95AD-B75AE3EF8DCE}" type="datetimeFigureOut">
               <a:rPr lang="en-US" smtClean="0"/>
-              <a:t>8/1/2019</a:t>
+              <a:t>10/5/2019</a:t>
             </a:fld>
             <a:endParaRPr lang="en-US"/>
           </a:p>
@@ -1346,7 +1346,7 @@
           <a:p>
             <a:fld id="{2B81A30E-FEA9-42C1-95AD-B75AE3EF8DCE}" type="datetimeFigureOut">
               <a:rPr lang="en-US" smtClean="0"/>
-              <a:t>8/1/2019</a:t>
+              <a:t>10/5/2019</a:t>
             </a:fld>
             <a:endParaRPr lang="en-US"/>
           </a:p>
@@ -1765,7 +1765,7 @@
           <a:p>
             <a:fld id="{2B81A30E-FEA9-42C1-95AD-B75AE3EF8DCE}" type="datetimeFigureOut">
               <a:rPr lang="en-US" smtClean="0"/>
-              <a:t>8/1/2019</a:t>
+              <a:t>10/5/2019</a:t>
             </a:fld>
             <a:endParaRPr lang="en-US"/>
           </a:p>
@@ -1882,7 +1882,7 @@
           <a:p>
             <a:fld id="{2B81A30E-FEA9-42C1-95AD-B75AE3EF8DCE}" type="datetimeFigureOut">
               <a:rPr lang="en-US" smtClean="0"/>
-              <a:t>8/1/2019</a:t>
+              <a:t>10/5/2019</a:t>
             </a:fld>
             <a:endParaRPr lang="en-US"/>
           </a:p>
@@ -1977,7 +1977,7 @@
           <a:p>
             <a:fld id="{2B81A30E-FEA9-42C1-95AD-B75AE3EF8DCE}" type="datetimeFigureOut">
               <a:rPr lang="en-US" smtClean="0"/>
-              <a:t>8/1/2019</a:t>
+              <a:t>10/5/2019</a:t>
             </a:fld>
             <a:endParaRPr lang="en-US"/>
           </a:p>
@@ -2252,7 +2252,7 @@
           <a:p>
             <a:fld id="{2B81A30E-FEA9-42C1-95AD-B75AE3EF8DCE}" type="datetimeFigureOut">
               <a:rPr lang="en-US" smtClean="0"/>
-              <a:t>8/1/2019</a:t>
+              <a:t>10/5/2019</a:t>
             </a:fld>
             <a:endParaRPr lang="en-US"/>
           </a:p>
@@ -2504,7 +2504,7 @@
           <a:p>
             <a:fld id="{2B81A30E-FEA9-42C1-95AD-B75AE3EF8DCE}" type="datetimeFigureOut">
               <a:rPr lang="en-US" smtClean="0"/>
-              <a:t>8/1/2019</a:t>
+              <a:t>10/5/2019</a:t>
             </a:fld>
             <a:endParaRPr lang="en-US"/>
           </a:p>
@@ -2715,7 +2715,7 @@
           <a:p>
             <a:fld id="{2B81A30E-FEA9-42C1-95AD-B75AE3EF8DCE}" type="datetimeFigureOut">
               <a:rPr lang="en-US" smtClean="0"/>
-              <a:t>8/1/2019</a:t>
+              <a:t>10/5/2019</a:t>
             </a:fld>
             <a:endParaRPr lang="en-US"/>
           </a:p>
@@ -3113,8 +3113,8 @@
         </p:blipFill>
         <p:spPr bwMode="auto">
           <a:xfrm>
-            <a:off x="2007870" y="2694940"/>
-            <a:ext cx="4610100" cy="1155700"/>
+            <a:off x="2007870" y="2620362"/>
+            <a:ext cx="3463565" cy="868276"/>
           </a:xfrm>
           <a:prstGeom prst="rect">
             <a:avLst/>
@@ -3133,14 +3133,14 @@
       </p:pic>
       <p:sp>
         <p:nvSpPr>
-          <p:cNvPr id="4" name="Rectangle 3"/>
+          <p:cNvPr id="4" name="truck sign"/>
           <p:cNvSpPr/>
           <p:nvPr/>
         </p:nvSpPr>
         <p:spPr>
           <a:xfrm>
-            <a:off x="2697480" y="3385582"/>
-            <a:ext cx="609599" cy="527923"/>
+            <a:off x="2525974" y="3139241"/>
+            <a:ext cx="457991" cy="396628"/>
           </a:xfrm>
           <a:prstGeom prst="rect">
             <a:avLst/>
@@ -3207,8 +3207,8 @@
           </a:p>
         </p:txBody>
       </p:sp>
-      <mc:AlternateContent xmlns:mc="http://schemas.openxmlformats.org/markup-compatibility/2006" xmlns:a14="http://schemas.microsoft.com/office/drawing/2010/main">
-        <mc:Choice Requires="a14">
+      <mc:AlternateContent xmlns:mc="http://schemas.openxmlformats.org/markup-compatibility/2006">
+        <mc:Choice xmlns:a14="http://schemas.microsoft.com/office/drawing/2010/main" Requires="a14">
           <p:sp>
             <p:nvSpPr>
               <p:cNvPr id="5" name="TextBox 4"/>
@@ -3217,8 +3217,8 @@
             </p:nvSpPr>
             <p:spPr>
               <a:xfrm>
-                <a:off x="3622488" y="3152466"/>
-                <a:ext cx="609598" cy="338554"/>
+                <a:off x="3190451" y="2964101"/>
+                <a:ext cx="457991" cy="261610"/>
               </a:xfrm>
               <a:prstGeom prst="rect">
                 <a:avLst/>
@@ -3244,37 +3244,37 @@
                       <m:sSub>
                         <m:sSubPr>
                           <m:ctrlPr>
-                            <a:rPr lang="en-US" sz="1600" b="1" i="1" smtClean="0">
+                            <a:rPr lang="en-US" sz="1100" i="1" smtClean="0">
                               <a:latin typeface="Cambria Math" panose="02040503050406030204" pitchFamily="18" charset="0"/>
                             </a:rPr>
                           </m:ctrlPr>
                         </m:sSubPr>
                         <m:e>
                           <m:r>
-                            <a:rPr lang="en-US" sz="1600" b="1" i="1" smtClean="0">
+                            <a:rPr lang="en-US" sz="1100" b="0" i="1" smtClean="0">
                               <a:latin typeface="Cambria Math" panose="02040503050406030204" pitchFamily="18" charset="0"/>
                             </a:rPr>
-                            <m:t>𝒎</m:t>
+                            <m:t>𝑚</m:t>
                           </m:r>
                         </m:e>
                         <m:sub>
                           <m:r>
-                            <a:rPr lang="en-US" sz="1600" b="1" i="1" smtClean="0">
+                            <a:rPr lang="en-US" sz="1100" b="0" i="1" smtClean="0">
                               <a:latin typeface="Cambria Math" panose="02040503050406030204" pitchFamily="18" charset="0"/>
                             </a:rPr>
-                            <m:t>𝟏</m:t>
+                            <m:t>1</m:t>
                           </m:r>
                         </m:sub>
                       </m:sSub>
                     </m:oMath>
                   </m:oMathPara>
                 </a14:m>
-                <a:endParaRPr lang="en-US" sz="1600" b="1" dirty="0"/>
+                <a:endParaRPr lang="en-US" sz="1100" dirty="0"/>
               </a:p>
             </p:txBody>
           </p:sp>
         </mc:Choice>
-        <mc:Fallback xmlns="">
+        <mc:Fallback>
           <p:sp>
             <p:nvSpPr>
               <p:cNvPr id="5" name="TextBox 4"/>
@@ -3285,8 +3285,8 @@
             </p:nvSpPr>
             <p:spPr>
               <a:xfrm>
-                <a:off x="3622488" y="3152466"/>
-                <a:ext cx="609598" cy="338554"/>
+                <a:off x="3190451" y="2964101"/>
+                <a:ext cx="457991" cy="261610"/>
               </a:xfrm>
               <a:prstGeom prst="rect">
                 <a:avLst/>
@@ -3324,8 +3324,8 @@
         </p:nvCxnSpPr>
         <p:spPr>
           <a:xfrm>
-            <a:off x="4312920" y="2945526"/>
-            <a:ext cx="529466" cy="0"/>
+            <a:off x="3696715" y="2913424"/>
+            <a:ext cx="397787" cy="0"/>
           </a:xfrm>
           <a:prstGeom prst="straightConnector1">
             <a:avLst/>
@@ -3362,8 +3362,8 @@
             </p:nvSpPr>
             <p:spPr>
               <a:xfrm>
-                <a:off x="4322693" y="2621914"/>
-                <a:ext cx="415166" cy="369332"/>
+                <a:off x="3781646" y="2677020"/>
+                <a:ext cx="311914" cy="261610"/>
               </a:xfrm>
               <a:prstGeom prst="rect">
                 <a:avLst/>
@@ -3390,14 +3390,14 @@
                         <m:accPr>
                           <m:chr m:val="⃗"/>
                           <m:ctrlPr>
-                            <a:rPr lang="en-US" b="0" i="1" smtClean="0">
+                            <a:rPr lang="en-US" sz="1100" b="0" i="1" smtClean="0">
                               <a:latin typeface="Cambria Math" panose="02040503050406030204" pitchFamily="18" charset="0"/>
                             </a:rPr>
                           </m:ctrlPr>
                         </m:accPr>
                         <m:e>
                           <m:r>
-                            <a:rPr lang="en-US" b="0" i="1" smtClean="0">
+                            <a:rPr lang="en-US" sz="1100" b="0" i="1" smtClean="0">
                               <a:latin typeface="Cambria Math"/>
                             </a:rPr>
                             <m:t>𝑣</m:t>
@@ -3407,7 +3407,7 @@
                     </m:oMath>
                   </m:oMathPara>
                 </a14:m>
-                <a:endParaRPr lang="en-US" dirty="0"/>
+                <a:endParaRPr lang="en-US" sz="1100" dirty="0"/>
               </a:p>
             </p:txBody>
           </p:sp>
@@ -3423,8 +3423,8 @@
             </p:nvSpPr>
             <p:spPr>
               <a:xfrm>
-                <a:off x="4322693" y="2621914"/>
-                <a:ext cx="415166" cy="369332"/>
+                <a:off x="3781646" y="2677020"/>
+                <a:ext cx="311914" cy="261610"/>
               </a:xfrm>
               <a:prstGeom prst="rect">
                 <a:avLst/>
@@ -3432,7 +3432,7 @@
               <a:blipFill>
                 <a:blip r:embed="rId4"/>
                 <a:stretch>
-                  <a:fillRect t="-22951" r="-30882"/>
+                  <a:fillRect t="-2326" r="-5769"/>
                 </a:stretch>
               </a:blipFill>
               <a:ln w="12700">
@@ -3464,8 +3464,8 @@
             </p:nvSpPr>
             <p:spPr>
               <a:xfrm>
-                <a:off x="5014022" y="2621914"/>
-                <a:ext cx="483746" cy="369332"/>
+                <a:off x="4066364" y="2677020"/>
+                <a:ext cx="363438" cy="261610"/>
               </a:xfrm>
               <a:prstGeom prst="rect">
                 <a:avLst/>
@@ -3489,7 +3489,7 @@
                     </m:oMathParaPr>
                     <m:oMath xmlns:m="http://schemas.openxmlformats.org/officeDocument/2006/math">
                       <m:r>
-                        <a:rPr lang="en-US" b="0" i="1" smtClean="0">
+                        <a:rPr lang="en-US" sz="1100" b="0" i="1" smtClean="0">
                           <a:latin typeface="Cambria Math"/>
                         </a:rPr>
                         <m:t>−</m:t>
@@ -3498,14 +3498,14 @@
                         <m:accPr>
                           <m:chr m:val="⃗"/>
                           <m:ctrlPr>
-                            <a:rPr lang="en-US" b="0" i="1" smtClean="0">
+                            <a:rPr lang="en-US" sz="1100" b="0" i="1" smtClean="0">
                               <a:latin typeface="Cambria Math" panose="02040503050406030204" pitchFamily="18" charset="0"/>
                             </a:rPr>
                           </m:ctrlPr>
                         </m:accPr>
                         <m:e>
                           <m:r>
-                            <a:rPr lang="en-US" b="0" i="1" smtClean="0">
+                            <a:rPr lang="en-US" sz="1100" b="0" i="1" smtClean="0">
                               <a:latin typeface="Cambria Math"/>
                             </a:rPr>
                             <m:t>𝑣</m:t>
@@ -3515,7 +3515,7 @@
                     </m:oMath>
                   </m:oMathPara>
                 </a14:m>
-                <a:endParaRPr lang="en-US" dirty="0"/>
+                <a:endParaRPr lang="en-US" sz="1100" dirty="0"/>
               </a:p>
             </p:txBody>
           </p:sp>
@@ -3531,16 +3531,16 @@
             </p:nvSpPr>
             <p:spPr>
               <a:xfrm>
-                <a:off x="5014022" y="2621914"/>
-                <a:ext cx="483746" cy="369332"/>
+                <a:off x="4066364" y="2677020"/>
+                <a:ext cx="363438" cy="261610"/>
               </a:xfrm>
               <a:prstGeom prst="rect">
                 <a:avLst/>
               </a:prstGeom>
-              <a:blipFill rotWithShape="1">
-                <a:blip r:embed="rId6"/>
+              <a:blipFill>
+                <a:blip r:embed="rId5"/>
                 <a:stretch>
-                  <a:fillRect t="-22951" r="-50633"/>
+                  <a:fillRect t="-2326" r="-26667"/>
                 </a:stretch>
               </a:blipFill>
               <a:ln w="12700">
@@ -3570,8 +3570,8 @@
         </p:nvCxnSpPr>
         <p:spPr>
           <a:xfrm flipH="1">
-            <a:off x="4968302" y="2945526"/>
-            <a:ext cx="529466" cy="0"/>
+            <a:off x="4126454" y="2915307"/>
+            <a:ext cx="397787" cy="0"/>
           </a:xfrm>
           <a:prstGeom prst="straightConnector1">
             <a:avLst/>
@@ -3606,8 +3606,8 @@
         </p:nvSpPr>
         <p:spPr>
           <a:xfrm>
-            <a:off x="2635659" y="2395070"/>
-            <a:ext cx="1032635" cy="338554"/>
+            <a:off x="2669586" y="2415410"/>
+            <a:ext cx="775818" cy="261610"/>
           </a:xfrm>
           <a:prstGeom prst="rect">
             <a:avLst/>
@@ -3624,7 +3624,7 @@
           <a:lstStyle/>
           <a:p>
             <a:r>
-              <a:rPr lang="en-US" sz="1600" dirty="0"/>
+              <a:rPr lang="en-US" sz="1100" dirty="0"/>
               <a:t>object 1</a:t>
             </a:r>
           </a:p>
@@ -3638,8 +3638,8 @@
         </p:nvSpPr>
         <p:spPr>
           <a:xfrm>
-            <a:off x="5629118" y="2775804"/>
-            <a:ext cx="1032635" cy="338554"/>
+            <a:off x="4524241" y="2656680"/>
+            <a:ext cx="775818" cy="261610"/>
           </a:xfrm>
           <a:prstGeom prst="rect">
             <a:avLst/>
@@ -3656,7 +3656,7 @@
           <a:lstStyle/>
           <a:p>
             <a:r>
-              <a:rPr lang="en-US" sz="1600" dirty="0"/>
+              <a:rPr lang="en-US" sz="1100" dirty="0"/>
               <a:t>object 2</a:t>
             </a:r>
           </a:p>
@@ -3678,8 +3678,8 @@
             </p:nvSpPr>
             <p:spPr>
               <a:xfrm>
-                <a:off x="5296535" y="3212222"/>
-                <a:ext cx="609598" cy="338554"/>
+                <a:off x="4480547" y="3005186"/>
+                <a:ext cx="457991" cy="261610"/>
               </a:xfrm>
               <a:prstGeom prst="rect">
                 <a:avLst/>
@@ -3705,32 +3705,32 @@
                       <m:sSub>
                         <m:sSubPr>
                           <m:ctrlPr>
-                            <a:rPr lang="en-US" sz="1600" b="1" i="1" smtClean="0">
+                            <a:rPr lang="en-US" sz="1100" i="1" smtClean="0">
                               <a:latin typeface="Cambria Math" panose="02040503050406030204" pitchFamily="18" charset="0"/>
                             </a:rPr>
                           </m:ctrlPr>
                         </m:sSubPr>
                         <m:e>
                           <m:r>
-                            <a:rPr lang="en-US" sz="1600" b="1" i="1" smtClean="0">
+                            <a:rPr lang="en-US" sz="1100" b="0" i="1" smtClean="0">
                               <a:latin typeface="Cambria Math" panose="02040503050406030204" pitchFamily="18" charset="0"/>
                             </a:rPr>
-                            <m:t>𝒎</m:t>
+                            <m:t>𝑚</m:t>
                           </m:r>
                         </m:e>
                         <m:sub>
                           <m:r>
-                            <a:rPr lang="en-US" sz="1600" b="1" i="1" smtClean="0">
+                            <a:rPr lang="en-US" sz="1100" b="0" i="1" smtClean="0">
                               <a:latin typeface="Cambria Math" panose="02040503050406030204" pitchFamily="18" charset="0"/>
                             </a:rPr>
-                            <m:t>𝟐</m:t>
+                            <m:t>2</m:t>
                           </m:r>
                         </m:sub>
                       </m:sSub>
                     </m:oMath>
                   </m:oMathPara>
                 </a14:m>
-                <a:endParaRPr lang="en-US" sz="1600" b="1" dirty="0"/>
+                <a:endParaRPr lang="en-US" sz="1100" dirty="0"/>
               </a:p>
             </p:txBody>
           </p:sp>
@@ -3752,14 +3752,14 @@
             </p:nvSpPr>
             <p:spPr>
               <a:xfrm>
-                <a:off x="5296535" y="3212222"/>
-                <a:ext cx="609598" cy="338554"/>
+                <a:off x="4480547" y="3005186"/>
+                <a:ext cx="457991" cy="261610"/>
               </a:xfrm>
               <a:prstGeom prst="rect">
                 <a:avLst/>
               </a:prstGeom>
               <a:blipFill>
-                <a:blip r:embed="rId7"/>
+                <a:blip r:embed="rId6"/>
                 <a:stretch>
                   <a:fillRect/>
                 </a:stretch>
